--- a/materials/slides/ch02.pptx
+++ b/materials/slides/ch02.pptx
@@ -21850,68 +21850,6 @@
           </a:p>
         </p:txBody>
       </p:sp>
-      <p:sp>
-        <p:nvSpPr>
-          <p:cNvPr id="5" name="文本框 4"/>
-          <p:cNvSpPr txBox="1"/>
-          <p:nvPr/>
-        </p:nvSpPr>
-        <p:spPr>
-          <a:xfrm>
-            <a:off x="4859020" y="6075045"/>
-            <a:ext cx="7037070" cy="429895"/>
-          </a:xfrm>
-          <a:prstGeom prst="rect">
-            <a:avLst/>
-          </a:prstGeom>
-          <a:noFill/>
-        </p:spPr>
-        <p:txBody>
-          <a:bodyPr wrap="square" rtlCol="0">
-            <a:spAutoFit/>
-          </a:bodyPr>
-          <a:p>
-            <a:pPr algn="l"/>
-            <a:r>
-              <a:rPr lang="zh-CN" altLang="en-US" sz="2200">
-                <a:solidFill>
-                  <a:srgbClr val="FF0000"/>
-                </a:solidFill>
-                <a:latin typeface="+mn-ea"/>
-                <a:ea typeface="+mn-ea"/>
-              </a:rPr>
-              <a:t>思考：动态修改</a:t>
-            </a:r>
-            <a:r>
-              <a:rPr lang="en-US" altLang="zh-CN" sz="2200">
-                <a:solidFill>
-                  <a:srgbClr val="FF0000"/>
-                </a:solidFill>
-                <a:latin typeface="+mn-ea"/>
-                <a:ea typeface="+mn-ea"/>
-              </a:rPr>
-              <a:t>canvas</a:t>
-            </a:r>
-            <a:r>
-              <a:rPr lang="zh-CN" altLang="en-US" sz="2200">
-                <a:solidFill>
-                  <a:srgbClr val="FF0000"/>
-                </a:solidFill>
-                <a:latin typeface="+mn-ea"/>
-                <a:ea typeface="+mn-ea"/>
-              </a:rPr>
-              <a:t>宽高，会影响画布里的内容么？</a:t>
-            </a:r>
-            <a:endParaRPr lang="zh-CN" altLang="en-US" sz="2200">
-              <a:solidFill>
-                <a:srgbClr val="FF0000"/>
-              </a:solidFill>
-              <a:latin typeface="+mn-ea"/>
-              <a:ea typeface="+mn-ea"/>
-            </a:endParaRPr>
-          </a:p>
-        </p:txBody>
-      </p:sp>
     </p:spTree>
   </p:cSld>
   <p:clrMapOvr>
@@ -22231,88 +22169,6 @@
                             </p:childTnLst>
                           </p:cTn>
                         </p:par>
-                        <p:par>
-                          <p:cTn id="21" fill="hold">
-                            <p:stCondLst>
-                              <p:cond delay="500"/>
-                            </p:stCondLst>
-                            <p:childTnLst>
-                              <p:par>
-                                <p:cTn id="22" presetID="2" presetClass="entr" presetSubtype="4" fill="hold" grpId="0" nodeType="afterEffect">
-                                  <p:stCondLst>
-                                    <p:cond delay="0"/>
-                                  </p:stCondLst>
-                                  <p:childTnLst>
-                                    <p:set>
-                                      <p:cBhvr>
-                                        <p:cTn id="23" dur="1" fill="hold">
-                                          <p:stCondLst>
-                                            <p:cond delay="0"/>
-                                          </p:stCondLst>
-                                        </p:cTn>
-                                        <p:tgtEl>
-                                          <p:spTgt spid="5"/>
-                                        </p:tgtEl>
-                                        <p:attrNameLst>
-                                          <p:attrName>style.visibility</p:attrName>
-                                        </p:attrNameLst>
-                                      </p:cBhvr>
-                                      <p:to>
-                                        <p:strVal val="visible"/>
-                                      </p:to>
-                                    </p:set>
-                                    <p:anim calcmode="lin" valueType="num">
-                                      <p:cBhvr additive="base">
-                                        <p:cTn id="24" dur="500" fill="hold"/>
-                                        <p:tgtEl>
-                                          <p:spTgt spid="5"/>
-                                        </p:tgtEl>
-                                        <p:attrNameLst>
-                                          <p:attrName>ppt_x</p:attrName>
-                                        </p:attrNameLst>
-                                      </p:cBhvr>
-                                      <p:tavLst>
-                                        <p:tav tm="0">
-                                          <p:val>
-                                            <p:strVal val="#ppt_x"/>
-                                          </p:val>
-                                        </p:tav>
-                                        <p:tav tm="100000">
-                                          <p:val>
-                                            <p:strVal val="#ppt_x"/>
-                                          </p:val>
-                                        </p:tav>
-                                      </p:tavLst>
-                                    </p:anim>
-                                    <p:anim calcmode="lin" valueType="num">
-                                      <p:cBhvr additive="base">
-                                        <p:cTn id="25" dur="500" fill="hold"/>
-                                        <p:tgtEl>
-                                          <p:spTgt spid="5"/>
-                                        </p:tgtEl>
-                                        <p:attrNameLst>
-                                          <p:attrName>ppt_y</p:attrName>
-                                        </p:attrNameLst>
-                                      </p:cBhvr>
-                                      <p:tavLst>
-                                        <p:tav tm="0">
-                                          <p:val>
-                                            <p:strVal val="1+#ppt_h/2"/>
-                                          </p:val>
-                                        </p:tav>
-                                        <p:tav tm="100000">
-                                          <p:val>
-                                            <p:strVal val="#ppt_y"/>
-                                          </p:val>
-                                        </p:tav>
-                                      </p:tavLst>
-                                    </p:anim>
-                                  </p:childTnLst>
-                                </p:cTn>
-                              </p:par>
-                            </p:childTnLst>
-                          </p:cTn>
-                        </p:par>
                       </p:childTnLst>
                     </p:cTn>
                   </p:par>
@@ -22337,9 +22193,6 @@
         </p:cTn>
       </p:par>
     </p:tnLst>
-    <p:bldLst>
-      <p:bldP spid="5" grpId="0"/>
-    </p:bldLst>
   </p:timing>
 </p:sld>
 </file>

--- a/materials/slides/ch02.pptx
+++ b/materials/slides/ch02.pptx
@@ -5387,23 +5387,6 @@
             </a:endParaRPr>
           </a:p>
           <a:p>
-            <a:pPr>
-              <a:lnSpc>
-                <a:spcPct val="150000"/>
-              </a:lnSpc>
-              <a:spcBef>
-                <a:spcPts val="1000"/>
-              </a:spcBef>
-            </a:pPr>
-            <a:endParaRPr lang="en-US" altLang="zh-CN" sz="2800" noProof="1">
-              <a:solidFill>
-                <a:schemeClr val="tx1"/>
-              </a:solidFill>
-              <a:latin typeface="微软雅黑" panose="020B0503020204020204" pitchFamily="34" charset="-122"/>
-              <a:ea typeface="微软雅黑" panose="020B0503020204020204" pitchFamily="34" charset="-122"/>
-            </a:endParaRPr>
-          </a:p>
-          <a:p>
             <a:pPr marL="0" indent="0">
               <a:buFont typeface="Wingdings 2" panose="05020102010507070707" pitchFamily="18" charset="2"/>
               <a:buNone/>
@@ -6385,55 +6368,6 @@
               </a:rPr>
               <a:t>）</a:t>
             </a:r>
-            <a:endParaRPr lang="zh-CN" altLang="en-US" sz="2800" dirty="0">
-              <a:solidFill>
-                <a:schemeClr val="tx1"/>
-              </a:solidFill>
-              <a:sym typeface="+mn-ea"/>
-            </a:endParaRPr>
-          </a:p>
-          <a:p>
-            <a:pPr>
-              <a:lnSpc>
-                <a:spcPct val="150000"/>
-              </a:lnSpc>
-              <a:spcBef>
-                <a:spcPts val="1000"/>
-              </a:spcBef>
-            </a:pPr>
-            <a:endParaRPr lang="en-US" altLang="zh-CN" sz="2800" dirty="0">
-              <a:solidFill>
-                <a:schemeClr val="tx1"/>
-              </a:solidFill>
-              <a:sym typeface="+mn-ea"/>
-            </a:endParaRPr>
-          </a:p>
-          <a:p>
-            <a:pPr>
-              <a:lnSpc>
-                <a:spcPct val="150000"/>
-              </a:lnSpc>
-              <a:spcBef>
-                <a:spcPts val="1000"/>
-              </a:spcBef>
-            </a:pPr>
-            <a:endParaRPr lang="en-US" altLang="zh-CN" sz="2800" noProof="1">
-              <a:solidFill>
-                <a:schemeClr val="tx1"/>
-              </a:solidFill>
-              <a:latin typeface="微软雅黑" panose="020B0503020204020204" pitchFamily="34" charset="-122"/>
-              <a:ea typeface="微软雅黑" panose="020B0503020204020204" pitchFamily="34" charset="-122"/>
-            </a:endParaRPr>
-          </a:p>
-          <a:p>
-            <a:pPr>
-              <a:lnSpc>
-                <a:spcPct val="150000"/>
-              </a:lnSpc>
-              <a:spcBef>
-                <a:spcPts val="1000"/>
-              </a:spcBef>
-            </a:pPr>
             <a:endParaRPr lang="en-US" altLang="zh-CN" sz="2800" noProof="1">
               <a:solidFill>
                 <a:schemeClr val="tx1"/>
@@ -16067,23 +16001,6 @@
             </a:endParaRPr>
           </a:p>
           <a:p>
-            <a:pPr>
-              <a:lnSpc>
-                <a:spcPct val="150000"/>
-              </a:lnSpc>
-              <a:spcBef>
-                <a:spcPts val="1000"/>
-              </a:spcBef>
-            </a:pPr>
-            <a:endParaRPr lang="en-US" altLang="zh-CN" sz="2800" noProof="1">
-              <a:solidFill>
-                <a:schemeClr val="tx1"/>
-              </a:solidFill>
-              <a:latin typeface="微软雅黑" panose="020B0503020204020204" pitchFamily="34" charset="-122"/>
-              <a:ea typeface="微软雅黑" panose="020B0503020204020204" pitchFamily="34" charset="-122"/>
-            </a:endParaRPr>
-          </a:p>
-          <a:p>
             <a:pPr marL="0" indent="0">
               <a:buFont typeface="Wingdings 2" panose="05020102010507070707" pitchFamily="18" charset="2"/>
               <a:buNone/>
@@ -17415,7 +17332,7 @@
                 </a:solidFill>
                 <a:sym typeface="+mn-ea"/>
               </a:rPr>
-              <a:t>线性渐变色描边及填充案例</a:t>
+              <a:t>径向渐变色描边及填充案例</a:t>
             </a:r>
             <a:endParaRPr lang="zh-CN" altLang="en-US" sz="2800">
               <a:solidFill>
@@ -20391,7 +20308,7 @@
                 <a:ea typeface="+mj-ea"/>
                 <a:sym typeface="+mn-ea"/>
               </a:rPr>
-              <a:t>绘图进阶一</a:t>
+              <a:t>绘图补充一</a:t>
             </a:r>
             <a:endParaRPr lang="zh-CN" altLang="en-US" dirty="0">
               <a:latin typeface="+mj-ea"/>
@@ -23294,7 +23211,7 @@
             <a:r>
               <a:rPr lang="zh-CN" sz="2200" dirty="0">
                 <a:solidFill>
-                  <a:srgbClr val="FF0000"/>
+                  <a:srgbClr val="0070C0"/>
                 </a:solidFill>
                 <a:latin typeface="+mn-ea"/>
                 <a:ea typeface="+mn-ea"/>
@@ -23305,7 +23222,7 @@
             <a:r>
               <a:rPr lang="en-US" altLang="zh-CN" sz="2200" dirty="0" smtClean="0">
                 <a:solidFill>
-                  <a:srgbClr val="FF0000"/>
+                  <a:srgbClr val="0070C0"/>
                 </a:solidFill>
                 <a:latin typeface="+mn-ea"/>
                 <a:ea typeface="+mn-ea"/>
@@ -23316,7 +23233,7 @@
             <a:r>
               <a:rPr lang="zh-CN" altLang="zh-CN" sz="2200" dirty="0">
                 <a:solidFill>
-                  <a:srgbClr val="FF0000"/>
+                  <a:srgbClr val="0070C0"/>
                 </a:solidFill>
                 <a:latin typeface="+mn-ea"/>
                 <a:ea typeface="+mn-ea"/>
@@ -23327,7 +23244,7 @@
             <a:r>
               <a:rPr lang="en-US" altLang="zh-CN" sz="2200" dirty="0" smtClean="0">
                 <a:solidFill>
-                  <a:srgbClr val="FF0000"/>
+                  <a:srgbClr val="0070C0"/>
                 </a:solidFill>
                 <a:latin typeface="+mn-ea"/>
                 <a:ea typeface="+mn-ea"/>
@@ -23338,7 +23255,7 @@
             <a:r>
               <a:rPr lang="en-US" altLang="zh-CN" sz="2200" dirty="0">
                 <a:solidFill>
-                  <a:srgbClr val="FF0000"/>
+                  <a:srgbClr val="0070C0"/>
                 </a:solidFill>
                 <a:latin typeface="+mn-ea"/>
                 <a:ea typeface="+mn-ea"/>
@@ -23346,12 +23263,13 @@
               </a:rPr>
               <a:t>html</a:t>
             </a:r>
-            <a:endParaRPr lang="zh-CN" sz="2200" dirty="0">
+            <a:endParaRPr lang="en-US" altLang="zh-CN" sz="2200" dirty="0">
               <a:solidFill>
-                <a:srgbClr val="FF0000"/>
+                <a:srgbClr val="0070C0"/>
               </a:solidFill>
               <a:latin typeface="+mn-ea"/>
               <a:ea typeface="+mn-ea"/>
+              <a:sym typeface="+mn-ea"/>
             </a:endParaRPr>
           </a:p>
         </p:txBody>
@@ -25361,45 +25279,6 @@
               </a:rPr>
               <a:t>，忽略之前的级联变换</a:t>
             </a:r>
-            <a:br>
-              <a:rPr lang="en-US" altLang="zh-CN" sz="2000" kern="1200" dirty="0">
-                <a:solidFill>
-                  <a:schemeClr val="tx1"/>
-                </a:solidFill>
-                <a:sym typeface="+mn-ea"/>
-              </a:rPr>
-            </a:br>
-            <a:endParaRPr lang="zh-CN" altLang="en-US" sz="2000" kern="1200" noProof="1" dirty="0">
-              <a:solidFill>
-                <a:schemeClr val="tx1"/>
-              </a:solidFill>
-              <a:sym typeface="+mn-ea"/>
-            </a:endParaRPr>
-          </a:p>
-          <a:p>
-            <a:pPr>
-              <a:lnSpc>
-                <a:spcPct val="150000"/>
-              </a:lnSpc>
-              <a:spcBef>
-                <a:spcPts val="1000"/>
-              </a:spcBef>
-            </a:pPr>
-            <a:endParaRPr lang="en-US" altLang="zh-CN" noProof="1" smtClean="0">
-              <a:solidFill>
-                <a:srgbClr val="000000"/>
-              </a:solidFill>
-            </a:endParaRPr>
-          </a:p>
-          <a:p>
-            <a:pPr lvl="0">
-              <a:lnSpc>
-                <a:spcPct val="150000"/>
-              </a:lnSpc>
-              <a:spcBef>
-                <a:spcPts val="1000"/>
-              </a:spcBef>
-            </a:pPr>
             <a:endParaRPr lang="en-US" altLang="zh-CN" noProof="1">
               <a:solidFill>
                 <a:srgbClr val="000000"/>
@@ -25714,7 +25593,7 @@
                 <a:ea typeface="+mj-ea"/>
                 <a:sym typeface="+mn-ea"/>
               </a:rPr>
-              <a:t>绘图进阶二</a:t>
+              <a:t>绘图补充二</a:t>
             </a:r>
             <a:endParaRPr lang="zh-CN" altLang="en-US" dirty="0">
               <a:latin typeface="+mj-ea"/>
@@ -27086,7 +26965,7 @@
             <a:r>
               <a:rPr lang="zh-CN" sz="2200" dirty="0">
                 <a:solidFill>
-                  <a:srgbClr val="FF0000"/>
+                  <a:srgbClr val="0070C0"/>
                 </a:solidFill>
                 <a:latin typeface="+mn-ea"/>
                 <a:ea typeface="+mn-ea"/>
@@ -27097,7 +26976,7 @@
             <a:r>
               <a:rPr lang="en-US" altLang="zh-CN" sz="2200" dirty="0" smtClean="0">
                 <a:solidFill>
-                  <a:srgbClr val="FF0000"/>
+                  <a:srgbClr val="0070C0"/>
                 </a:solidFill>
                 <a:latin typeface="+mn-ea"/>
                 <a:ea typeface="+mn-ea"/>
@@ -27108,7 +26987,7 @@
             <a:r>
               <a:rPr lang="zh-CN" altLang="zh-CN" sz="2200" dirty="0">
                 <a:solidFill>
-                  <a:srgbClr val="FF0000"/>
+                  <a:srgbClr val="0070C0"/>
                 </a:solidFill>
                 <a:latin typeface="+mn-ea"/>
                 <a:ea typeface="+mn-ea"/>
@@ -27119,7 +26998,7 @@
             <a:r>
               <a:rPr lang="en-US" altLang="zh-CN" sz="2200" dirty="0" smtClean="0">
                 <a:solidFill>
-                  <a:srgbClr val="FF0000"/>
+                  <a:srgbClr val="0070C0"/>
                 </a:solidFill>
                 <a:latin typeface="+mn-ea"/>
                 <a:ea typeface="+mn-ea"/>
@@ -27130,7 +27009,7 @@
             <a:r>
               <a:rPr lang="en-US" altLang="zh-CN" sz="2200" dirty="0">
                 <a:solidFill>
-                  <a:srgbClr val="FF0000"/>
+                  <a:srgbClr val="0070C0"/>
                 </a:solidFill>
                 <a:latin typeface="+mn-ea"/>
                 <a:ea typeface="+mn-ea"/>
@@ -27138,12 +27017,13 @@
               </a:rPr>
               <a:t>html</a:t>
             </a:r>
-            <a:endParaRPr lang="zh-CN" sz="2200" dirty="0">
+            <a:endParaRPr lang="en-US" altLang="zh-CN" sz="2200" dirty="0">
               <a:solidFill>
-                <a:srgbClr val="FF0000"/>
+                <a:srgbClr val="0070C0"/>
               </a:solidFill>
               <a:latin typeface="+mn-ea"/>
               <a:ea typeface="+mn-ea"/>
+              <a:sym typeface="+mn-ea"/>
             </a:endParaRPr>
           </a:p>
         </p:txBody>
@@ -27918,7 +27798,7 @@
             <a:r>
               <a:rPr lang="zh-CN" sz="2200" dirty="0">
                 <a:solidFill>
-                  <a:srgbClr val="FF0000"/>
+                  <a:srgbClr val="0070C0"/>
                 </a:solidFill>
                 <a:latin typeface="+mn-ea"/>
                 <a:ea typeface="+mn-ea"/>
@@ -27929,7 +27809,7 @@
             <a:r>
               <a:rPr lang="en-US" altLang="zh-CN" sz="2200" dirty="0" smtClean="0">
                 <a:solidFill>
-                  <a:srgbClr val="FF0000"/>
+                  <a:srgbClr val="0070C0"/>
                 </a:solidFill>
                 <a:latin typeface="+mn-ea"/>
                 <a:ea typeface="+mn-ea"/>
@@ -27940,7 +27820,7 @@
             <a:r>
               <a:rPr lang="zh-CN" altLang="zh-CN" sz="2200" dirty="0" smtClean="0">
                 <a:solidFill>
-                  <a:srgbClr val="FF0000"/>
+                  <a:srgbClr val="0070C0"/>
                 </a:solidFill>
                 <a:latin typeface="+mn-ea"/>
                 <a:ea typeface="+mn-ea"/>
@@ -27951,7 +27831,7 @@
             <a:r>
               <a:rPr lang="en-US" altLang="zh-CN" sz="2200" dirty="0" smtClean="0">
                 <a:solidFill>
-                  <a:srgbClr val="FF0000"/>
+                  <a:srgbClr val="0070C0"/>
                 </a:solidFill>
                 <a:latin typeface="+mn-ea"/>
                 <a:ea typeface="+mn-ea"/>
@@ -27962,7 +27842,7 @@
             <a:r>
               <a:rPr lang="en-US" altLang="zh-CN" sz="2200" dirty="0">
                 <a:solidFill>
-                  <a:srgbClr val="FF0000"/>
+                  <a:srgbClr val="0070C0"/>
                 </a:solidFill>
                 <a:latin typeface="+mn-ea"/>
                 <a:ea typeface="+mn-ea"/>
@@ -27970,12 +27850,13 @@
               </a:rPr>
               <a:t>html</a:t>
             </a:r>
-            <a:endParaRPr lang="zh-CN" sz="2200" dirty="0">
+            <a:endParaRPr lang="en-US" altLang="zh-CN" sz="2200" dirty="0">
               <a:solidFill>
-                <a:srgbClr val="FF0000"/>
+                <a:srgbClr val="0070C0"/>
               </a:solidFill>
               <a:latin typeface="+mn-ea"/>
               <a:ea typeface="+mn-ea"/>
+              <a:sym typeface="+mn-ea"/>
             </a:endParaRPr>
           </a:p>
         </p:txBody>

--- a/materials/slides/ch02.pptx
+++ b/materials/slides/ch02.pptx
@@ -912,6 +912,54 @@
               <a:rPr lang="zh-CN" altLang="zh-CN" smtClean="0"/>
             </a:fld>
             <a:endParaRPr lang="zh-CN" altLang="zh-CN"/>
+          </a:p>
+        </p:txBody>
+      </p:sp>
+    </p:spTree>
+  </p:cSld>
+  <p:clrMapOvr>
+    <a:masterClrMapping/>
+  </p:clrMapOvr>
+</p:notes>
+</file>
+
+<file path=ppt/notesSlides/notesSlide5.xml><?xml version="1.0" encoding="utf-8"?>
+<p:notes xmlns:a="http://schemas.openxmlformats.org/drawingml/2006/main" xmlns:r="http://schemas.openxmlformats.org/officeDocument/2006/relationships" xmlns:p="http://schemas.openxmlformats.org/presentationml/2006/main">
+  <p:cSld>
+    <p:spTree>
+      <p:nvGrpSpPr>
+        <p:cNvPr id="1" name=""/>
+        <p:cNvGrpSpPr/>
+        <p:nvPr/>
+      </p:nvGrpSpPr>
+      <p:grpSpPr/>
+      <p:sp>
+        <p:nvSpPr>
+          <p:cNvPr id="2" name="幻灯片图像占位符 1"/>
+          <p:cNvSpPr/>
+          <p:nvPr>
+            <p:ph type="sldImg" idx="2"/>
+          </p:nvPr>
+        </p:nvSpPr>
+        <p:spPr/>
+      </p:sp>
+      <p:sp>
+        <p:nvSpPr>
+          <p:cNvPr id="3" name="文本占位符 2"/>
+          <p:cNvSpPr/>
+          <p:nvPr>
+            <p:ph type="body" idx="3"/>
+          </p:nvPr>
+        </p:nvSpPr>
+        <p:spPr/>
+        <p:txBody>
+          <a:bodyPr/>
+          <a:p>
+            <a:r>
+              <a:rPr lang="zh-CN" altLang="en-US"/>
+              <a:t>https://www.jianshu.com/p/f1590d4fb5c5</a:t>
+            </a:r>
+            <a:endParaRPr lang="zh-CN" altLang="en-US"/>
           </a:p>
         </p:txBody>
       </p:sp>
@@ -29341,8 +29389,8 @@
         </p:blipFill>
         <p:spPr>
           <a:xfrm>
-            <a:off x="6957695" y="3460750"/>
-            <a:ext cx="4030345" cy="2251710"/>
+            <a:off x="6979285" y="3672840"/>
+            <a:ext cx="3793490" cy="2119630"/>
           </a:xfrm>
           <a:prstGeom prst="rect">
             <a:avLst/>
